--- a/Intuitive Banana.pptx
+++ b/Intuitive Banana.pptx
@@ -111,6 +111,11 @@
       </a:defRPr>
     </a:lvl9pPr>
   </p:defaultTextStyle>
+  <p:extLst>
+    <p:ext uri="{EFAFB233-063F-42B5-8137-9DF3F51BA10A}">
+      <p15:sldGuideLst xmlns:p15="http://schemas.microsoft.com/office/powerpoint/2012/main"/>
+    </p:ext>
+  </p:extLst>
 </p:presentation>
 </file>
 
@@ -299,7 +304,7 @@
           <a:p>
             <a:fld id="{88D38747-4367-4BD2-8D51-C97E202738E2}" type="datetime1">
               <a:rPr lang="en-US" smtClean="0"/>
-              <a:t>12/3/19</a:t>
+              <a:t>12/4/19</a:t>
             </a:fld>
             <a:endParaRPr lang="en-US" dirty="0"/>
           </a:p>
@@ -604,7 +609,7 @@
           <a:p>
             <a:fld id="{11F1B079-7EF0-44EE-B798-BCC497C9F3B2}" type="datetime1">
               <a:rPr lang="en-US" smtClean="0"/>
-              <a:t>12/3/19</a:t>
+              <a:t>12/4/19</a:t>
             </a:fld>
             <a:endParaRPr lang="en-US" dirty="0"/>
           </a:p>
@@ -798,7 +803,7 @@
           <a:p>
             <a:fld id="{28FF70A8-1D13-4657-95F0-A9EA54967B8D}" type="datetime1">
               <a:rPr lang="en-US" smtClean="0"/>
-              <a:t>12/3/19</a:t>
+              <a:t>12/4/19</a:t>
             </a:fld>
             <a:endParaRPr lang="en-US" dirty="0"/>
           </a:p>
@@ -1061,7 +1066,7 @@
           <a:p>
             <a:fld id="{21EB90AC-71BD-4C7F-8ACA-7B3F18292E63}" type="datetime1">
               <a:rPr lang="en-US" smtClean="0"/>
-              <a:t>12/3/19</a:t>
+              <a:t>12/4/19</a:t>
             </a:fld>
             <a:endParaRPr lang="en-US" dirty="0"/>
           </a:p>
@@ -1497,7 +1502,7 @@
           <a:p>
             <a:fld id="{4E6EFC2C-8905-46F0-B443-CE905B76BA01}" type="datetime1">
               <a:rPr lang="en-US" smtClean="0"/>
-              <a:t>12/3/19</a:t>
+              <a:t>12/4/19</a:t>
             </a:fld>
             <a:endParaRPr lang="en-US" dirty="0"/>
           </a:p>
@@ -2034,7 +2039,7 @@
           <a:p>
             <a:fld id="{D9079DC3-C9B5-499E-9140-0DC28B7074E2}" type="datetime1">
               <a:rPr lang="en-US" smtClean="0"/>
-              <a:t>12/3/19</a:t>
+              <a:t>12/4/19</a:t>
             </a:fld>
             <a:endParaRPr lang="en-US" dirty="0"/>
           </a:p>
@@ -2916,7 +2921,7 @@
           <a:p>
             <a:fld id="{30BB33EA-E472-4D22-9C03-A9C14AA21CED}" type="datetime1">
               <a:rPr lang="en-US" smtClean="0"/>
-              <a:t>12/3/19</a:t>
+              <a:t>12/4/19</a:t>
             </a:fld>
             <a:endParaRPr lang="en-US" dirty="0"/>
           </a:p>
@@ -3086,7 +3091,7 @@
           <a:p>
             <a:fld id="{217E833E-1B6D-415F-AD29-75AE8C43BD0D}" type="datetime1">
               <a:rPr lang="en-US" smtClean="0"/>
-              <a:t>12/3/19</a:t>
+              <a:t>12/4/19</a:t>
             </a:fld>
             <a:endParaRPr lang="en-US" dirty="0"/>
           </a:p>
@@ -3270,7 +3275,7 @@
           <a:p>
             <a:fld id="{8452596F-08A7-4B70-989A-F2B1CF31E66B}" type="datetime1">
               <a:rPr lang="en-US" smtClean="0"/>
-              <a:t>12/3/19</a:t>
+              <a:t>12/4/19</a:t>
             </a:fld>
             <a:endParaRPr lang="en-US" dirty="0"/>
           </a:p>
@@ -3440,7 +3445,7 @@
           <a:p>
             <a:fld id="{73C55A3C-5767-4844-A0A3-83778C2E5409}" type="datetime1">
               <a:rPr lang="en-US" smtClean="0"/>
-              <a:t>12/3/19</a:t>
+              <a:t>12/4/19</a:t>
             </a:fld>
             <a:endParaRPr lang="en-US" dirty="0"/>
           </a:p>
@@ -3684,7 +3689,7 @@
           <a:p>
             <a:fld id="{CAE507A8-A5CF-4D38-AB86-7EDDA87A85D4}" type="datetime1">
               <a:rPr lang="en-US" smtClean="0"/>
-              <a:t>12/3/19</a:t>
+              <a:t>12/4/19</a:t>
             </a:fld>
             <a:endParaRPr lang="en-US" dirty="0"/>
           </a:p>
@@ -3926,7 +3931,7 @@
           <a:p>
             <a:fld id="{BDFCD27C-8599-43EF-BA1D-14DDC1946E06}" type="datetime1">
               <a:rPr lang="en-US" smtClean="0"/>
-              <a:t>12/3/19</a:t>
+              <a:t>12/4/19</a:t>
             </a:fld>
             <a:endParaRPr lang="en-US" dirty="0"/>
           </a:p>
@@ -4407,7 +4412,7 @@
           <a:p>
             <a:fld id="{49343D99-809A-49C0-96E5-4250D0B498EE}" type="datetime1">
               <a:rPr lang="en-US" smtClean="0"/>
-              <a:t>12/3/19</a:t>
+              <a:t>12/4/19</a:t>
             </a:fld>
             <a:endParaRPr lang="en-US" dirty="0"/>
           </a:p>
@@ -4525,7 +4530,7 @@
           <a:p>
             <a:fld id="{A143DE9B-B678-4EFB-BB7D-A4370204A0B0}" type="datetime1">
               <a:rPr lang="en-US" smtClean="0"/>
-              <a:t>12/3/19</a:t>
+              <a:t>12/4/19</a:t>
             </a:fld>
             <a:endParaRPr lang="en-US" dirty="0"/>
           </a:p>
@@ -4620,7 +4625,7 @@
           <a:p>
             <a:fld id="{E68812DA-F765-4142-A6A3-A8ED7235E082}" type="datetime1">
               <a:rPr lang="en-US" smtClean="0"/>
-              <a:t>12/3/19</a:t>
+              <a:t>12/4/19</a:t>
             </a:fld>
             <a:endParaRPr lang="en-US" dirty="0"/>
           </a:p>
@@ -4875,7 +4880,7 @@
           <a:p>
             <a:fld id="{3E0277FD-7DE6-41D4-930D-AC99F5AFE54E}" type="datetime1">
               <a:rPr lang="en-US" smtClean="0"/>
-              <a:t>12/3/19</a:t>
+              <a:t>12/4/19</a:t>
             </a:fld>
             <a:endParaRPr lang="en-US" dirty="0"/>
           </a:p>
@@ -5182,7 +5187,7 @@
           <a:p>
             <a:fld id="{9EA15526-7079-4B7B-987C-1B5FAE11A0FF}" type="datetime1">
               <a:rPr lang="en-US" smtClean="0"/>
-              <a:t>12/3/19</a:t>
+              <a:t>12/4/19</a:t>
             </a:fld>
             <a:endParaRPr lang="en-US" dirty="0"/>
           </a:p>
@@ -5417,7 +5422,7 @@
           <a:p>
             <a:fld id="{073ED0CC-082F-4160-86E5-0D6041F12778}" type="datetime1">
               <a:rPr lang="en-US" smtClean="0"/>
-              <a:t>12/3/19</a:t>
+              <a:t>12/4/19</a:t>
             </a:fld>
             <a:endParaRPr lang="en-US" dirty="0"/>
           </a:p>
@@ -6192,7 +6197,7 @@
           </a:effectLst>
           <a:extLst>
             <a:ext uri="{91240B29-F687-4f45-9708-019B960494DF}">
-              <a14:hiddenLine xmlns="" xmlns:a16="http://schemas.microsoft.com/office/drawing/2014/main" xmlns:p14="http://schemas.microsoft.com/office/powerpoint/2010/main" xmlns:a14="http://schemas.microsoft.com/office/drawing/2010/main" w="9525">
+              <a14:hiddenLine xmlns:a14="http://schemas.microsoft.com/office/drawing/2010/main" xmlns:p14="http://schemas.microsoft.com/office/powerpoint/2010/main" xmlns:a16="http://schemas.microsoft.com/office/drawing/2014/main" xmlns="" w="9525">
                 <a:solidFill>
                   <a:srgbClr val="000000"/>
                 </a:solidFill>
@@ -9147,11 +9152,28 @@
           <a:p>
             <a:r>
               <a:rPr lang="en-US" dirty="0">
-                <a:latin typeface="Calibri" panose="020F0502020204030204" pitchFamily="34" charset="0"/>
-                <a:cs typeface="Calibri" panose="020F0502020204030204" pitchFamily="34" charset="0"/>
+                <a:solidFill>
+                  <a:schemeClr val="tx1"/>
+                </a:solidFill>
+                <a:latin typeface="Calibri Light" panose="020F0302020204030204" pitchFamily="34" charset="0"/>
+                <a:cs typeface="Calibri Light" panose="020F0302020204030204" pitchFamily="34" charset="0"/>
+                <a:hlinkClick r:id="rId4">
+                  <a:extLst>
+                    <a:ext uri="{A12FA001-AC4F-418D-AE19-62706E023703}">
+                      <ahyp:hlinkClr xmlns:ahyp="http://schemas.microsoft.com/office/drawing/2018/hyperlinkcolor" val="tx"/>
+                    </a:ext>
+                  </a:extLst>
+                </a:hlinkClick>
               </a:rPr>
               <a:t>Demo</a:t>
             </a:r>
+            <a:endParaRPr lang="en-US" dirty="0">
+              <a:solidFill>
+                <a:schemeClr val="tx1"/>
+              </a:solidFill>
+              <a:latin typeface="Calibri Light" panose="020F0302020204030204" pitchFamily="34" charset="0"/>
+              <a:cs typeface="Calibri Light" panose="020F0302020204030204" pitchFamily="34" charset="0"/>
+            </a:endParaRPr>
           </a:p>
         </p:txBody>
       </p:sp>
@@ -10178,6 +10200,12 @@
                     </a:schemeClr>
                   </a:solidFill>
                 </a:ln>
+                <a:solidFill>
+                  <a:schemeClr val="bg1">
+                    <a:lumMod val="50000"/>
+                    <a:lumOff val="50000"/>
+                  </a:schemeClr>
+                </a:solidFill>
                 <a:effectLst>
                   <a:outerShdw blurRad="9525" dist="25400" dir="14640000" algn="tl" rotWithShape="0">
                     <a:schemeClr val="bg1">
@@ -10187,7 +10215,13 @@
                 </a:effectLst>
                 <a:latin typeface="Calibri" panose="020F0502020204030204" pitchFamily="34" charset="0"/>
                 <a:cs typeface="Calibri" panose="020F0502020204030204" pitchFamily="34" charset="0"/>
-                <a:hlinkClick r:id="rId3"/>
+                <a:hlinkClick r:id="rId3">
+                  <a:extLst>
+                    <a:ext uri="{A12FA001-AC4F-418D-AE19-62706E023703}">
+                      <ahyp:hlinkClr xmlns:ahyp="http://schemas.microsoft.com/office/drawing/2018/hyperlinkcolor" val="tx"/>
+                    </a:ext>
+                  </a:extLst>
+                </a:hlinkClick>
               </a:rPr>
               <a:t>https://github.com/DrBailey13/IntuitiveBanana</a:t>
             </a:r>
@@ -10201,6 +10235,12 @@
                   </a:schemeClr>
                 </a:solidFill>
               </a:ln>
+              <a:solidFill>
+                <a:schemeClr val="bg1">
+                  <a:lumMod val="50000"/>
+                  <a:lumOff val="50000"/>
+                </a:schemeClr>
+              </a:solidFill>
               <a:effectLst>
                 <a:outerShdw blurRad="9525" dist="25400" dir="14640000" algn="tl" rotWithShape="0">
                   <a:schemeClr val="bg1">
@@ -10283,47 +10323,34 @@
               <a:buChar char="•"/>
             </a:pPr>
             <a:r>
-              <a:rPr lang="en-US" sz="2000" dirty="0">
-                <a:ln>
-                  <a:solidFill>
-                    <a:schemeClr val="bg1">
-                      <a:lumMod val="75000"/>
-                      <a:lumOff val="25000"/>
-                      <a:alpha val="10000"/>
-                    </a:schemeClr>
-                  </a:solidFill>
-                </a:ln>
-                <a:effectLst>
-                  <a:outerShdw blurRad="9525" dist="25400" dir="14640000" algn="tl" rotWithShape="0">
-                    <a:schemeClr val="bg1">
-                      <a:alpha val="30000"/>
-                    </a:schemeClr>
-                  </a:outerShdw>
-                </a:effectLst>
-                <a:latin typeface="Calibri" panose="020F0502020204030204" pitchFamily="34" charset="0"/>
-                <a:cs typeface="Calibri" panose="020F0502020204030204" pitchFamily="34" charset="0"/>
-              </a:rPr>
-              <a:t>https://</a:t>
-            </a:r>
-            <a:endParaRPr lang="en-US" sz="2800" dirty="0">
-              <a:ln>
+              <a:rPr lang="en-US" dirty="0">
                 <a:solidFill>
                   <a:schemeClr val="bg1">
-                    <a:lumMod val="75000"/>
-                    <a:lumOff val="25000"/>
-                    <a:alpha val="10000"/>
+                    <a:lumMod val="50000"/>
+                    <a:lumOff val="50000"/>
                   </a:schemeClr>
                 </a:solidFill>
-              </a:ln>
-              <a:effectLst>
-                <a:outerShdw blurRad="9525" dist="25400" dir="14640000" algn="tl" rotWithShape="0">
-                  <a:schemeClr val="bg1">
-                    <a:alpha val="30000"/>
-                  </a:schemeClr>
-                </a:outerShdw>
-              </a:effectLst>
-              <a:latin typeface="Calibri" panose="020F0502020204030204" pitchFamily="34" charset="0"/>
-              <a:cs typeface="Calibri" panose="020F0502020204030204" pitchFamily="34" charset="0"/>
+                <a:latin typeface="Calibri Light" panose="020F0302020204030204" pitchFamily="34" charset="0"/>
+                <a:cs typeface="Calibri Light" panose="020F0302020204030204" pitchFamily="34" charset="0"/>
+                <a:hlinkClick r:id="rId4">
+                  <a:extLst>
+                    <a:ext uri="{A12FA001-AC4F-418D-AE19-62706E023703}">
+                      <ahyp:hlinkClr xmlns:ahyp="http://schemas.microsoft.com/office/drawing/2018/hyperlinkcolor" val="tx"/>
+                    </a:ext>
+                  </a:extLst>
+                </a:hlinkClick>
+              </a:rPr>
+              <a:t>https://drbailey13.github.io/IntuitiveBanana/index.html</a:t>
+            </a:r>
+            <a:endParaRPr lang="en-US" dirty="0">
+              <a:solidFill>
+                <a:schemeClr val="bg1">
+                  <a:lumMod val="50000"/>
+                  <a:lumOff val="50000"/>
+                </a:schemeClr>
+              </a:solidFill>
+              <a:latin typeface="Calibri Light" panose="020F0302020204030204" pitchFamily="34" charset="0"/>
+              <a:cs typeface="Calibri Light" panose="020F0302020204030204" pitchFamily="34" charset="0"/>
             </a:endParaRPr>
           </a:p>
         </p:txBody>

--- a/Intuitive Banana.pptx
+++ b/Intuitive Banana.pptx
@@ -13,6 +13,7 @@
     <p:sldId id="261" r:id="rId7"/>
     <p:sldId id="262" r:id="rId8"/>
     <p:sldId id="263" r:id="rId9"/>
+    <p:sldId id="264" r:id="rId10"/>
   </p:sldIdLst>
   <p:sldSz cx="12192000" cy="6858000"/>
   <p:notesSz cx="6858000" cy="9144000"/>
@@ -6197,7 +6198,7 @@
           </a:effectLst>
           <a:extLst>
             <a:ext uri="{91240B29-F687-4f45-9708-019B960494DF}">
-              <a14:hiddenLine xmlns:a14="http://schemas.microsoft.com/office/drawing/2010/main" xmlns:p14="http://schemas.microsoft.com/office/powerpoint/2010/main" xmlns:a16="http://schemas.microsoft.com/office/drawing/2014/main" xmlns="" w="9525">
+              <a14:hiddenLine xmlns="" xmlns:a16="http://schemas.microsoft.com/office/drawing/2014/main" xmlns:p14="http://schemas.microsoft.com/office/powerpoint/2010/main" xmlns:a14="http://schemas.microsoft.com/office/drawing/2010/main" w="9525">
                 <a:solidFill>
                   <a:srgbClr val="000000"/>
                 </a:solidFill>
@@ -9177,44 +9178,6 @@
           </a:p>
         </p:txBody>
       </p:sp>
-      <p:sp>
-        <p:nvSpPr>
-          <p:cNvPr id="3" name="Subtitle 2">
-            <a:extLst>
-              <a:ext uri="{FF2B5EF4-FFF2-40B4-BE49-F238E27FC236}">
-                <a16:creationId xmlns:a16="http://schemas.microsoft.com/office/drawing/2014/main" id="{78751F4A-F5AD-DC4E-8306-9569BF3304EC}"/>
-              </a:ext>
-            </a:extLst>
-          </p:cNvPr>
-          <p:cNvSpPr>
-            <a:spLocks noGrp="1"/>
-          </p:cNvSpPr>
-          <p:nvPr>
-            <p:ph type="subTitle" idx="1"/>
-          </p:nvPr>
-        </p:nvSpPr>
-        <p:spPr>
-          <a:xfrm>
-            <a:off x="1370693" y="3773489"/>
-            <a:ext cx="9440034" cy="1049867"/>
-          </a:xfrm>
-        </p:spPr>
-        <p:txBody>
-          <a:bodyPr>
-            <a:normAutofit/>
-          </a:bodyPr>
-          <a:lstStyle/>
-          <a:p>
-            <a:r>
-              <a:rPr lang="en-US" dirty="0">
-                <a:latin typeface="Calibri" panose="020F0502020204030204" pitchFamily="34" charset="0"/>
-                <a:cs typeface="Calibri" panose="020F0502020204030204" pitchFamily="34" charset="0"/>
-              </a:rPr>
-              <a:t>A multifunctional web-based music application</a:t>
-            </a:r>
-          </a:p>
-        </p:txBody>
-      </p:sp>
     </p:spTree>
     <p:extLst>
       <p:ext uri="{BB962C8B-B14F-4D97-AF65-F5344CB8AC3E}">
@@ -10132,7 +10095,7 @@
         <p:spPr>
           <a:xfrm>
             <a:off x="5307765" y="963506"/>
-            <a:ext cx="5959791" cy="5355231"/>
+            <a:ext cx="6161419" cy="5355231"/>
           </a:xfrm>
           <a:prstGeom prst="rect">
             <a:avLst/>
@@ -10359,6 +10322,127 @@
     <p:extLst>
       <p:ext uri="{BB962C8B-B14F-4D97-AF65-F5344CB8AC3E}">
         <p14:creationId xmlns:p14="http://schemas.microsoft.com/office/powerpoint/2010/main" val="1337798848"/>
+      </p:ext>
+    </p:extLst>
+  </p:cSld>
+  <p:clrMapOvr>
+    <a:masterClrMapping/>
+  </p:clrMapOvr>
+</p:sld>
+</file>
+
+<file path=ppt/slides/slide9.xml><?xml version="1.0" encoding="utf-8"?>
+<p:sld xmlns:a="http://schemas.openxmlformats.org/drawingml/2006/main" xmlns:r="http://schemas.openxmlformats.org/officeDocument/2006/relationships" xmlns:p="http://schemas.openxmlformats.org/presentationml/2006/main">
+  <p:cSld>
+    <p:bg>
+      <p:bgPr>
+        <a:blipFill rotWithShape="1">
+          <a:blip r:embed="rId2">
+            <a:duotone>
+              <a:schemeClr val="bg1">
+                <a:shade val="80000"/>
+                <a:lumMod val="80000"/>
+              </a:schemeClr>
+              <a:schemeClr val="bg1">
+                <a:tint val="98000"/>
+              </a:schemeClr>
+            </a:duotone>
+          </a:blip>
+          <a:stretch/>
+        </a:blipFill>
+        <a:effectLst/>
+      </p:bgPr>
+    </p:bg>
+    <p:spTree>
+      <p:nvGrpSpPr>
+        <p:cNvPr id="1" name=""/>
+        <p:cNvGrpSpPr/>
+        <p:nvPr/>
+      </p:nvGrpSpPr>
+      <p:grpSpPr>
+        <a:xfrm>
+          <a:off x="0" y="0"/>
+          <a:ext cx="0" cy="0"/>
+          <a:chOff x="0" y="0"/>
+          <a:chExt cx="0" cy="0"/>
+        </a:xfrm>
+      </p:grpSpPr>
+      <p:pic>
+        <p:nvPicPr>
+          <p:cNvPr id="4" name="Picture 3">
+            <a:extLst>
+              <a:ext uri="{FF2B5EF4-FFF2-40B4-BE49-F238E27FC236}">
+                <a16:creationId xmlns:a16="http://schemas.microsoft.com/office/drawing/2014/main" id="{4D752D21-384D-44CC-97A4-A5BFC87CB49B}"/>
+              </a:ext>
+            </a:extLst>
+          </p:cNvPr>
+          <p:cNvPicPr>
+            <a:picLocks noChangeAspect="1"/>
+          </p:cNvPicPr>
+          <p:nvPr/>
+        </p:nvPicPr>
+        <p:blipFill rotWithShape="1">
+          <a:blip r:embed="rId3">
+            <a:alphaModFix amt="35000"/>
+          </a:blip>
+          <a:srcRect t="1067" b="13706"/>
+          <a:stretch/>
+        </p:blipFill>
+        <p:spPr>
+          <a:xfrm>
+            <a:off x="20" y="10"/>
+            <a:ext cx="12191980" cy="6857990"/>
+          </a:xfrm>
+          <a:prstGeom prst="rect">
+            <a:avLst/>
+          </a:prstGeom>
+        </p:spPr>
+      </p:pic>
+      <p:sp>
+        <p:nvSpPr>
+          <p:cNvPr id="2" name="Title 1">
+            <a:extLst>
+              <a:ext uri="{FF2B5EF4-FFF2-40B4-BE49-F238E27FC236}">
+                <a16:creationId xmlns:a16="http://schemas.microsoft.com/office/drawing/2014/main" id="{B547808C-51F2-AD48-B540-2B965D033F30}"/>
+              </a:ext>
+            </a:extLst>
+          </p:cNvPr>
+          <p:cNvSpPr>
+            <a:spLocks noGrp="1"/>
+          </p:cNvSpPr>
+          <p:nvPr>
+            <p:ph type="ctrTitle"/>
+          </p:nvPr>
+        </p:nvSpPr>
+        <p:spPr>
+          <a:xfrm>
+            <a:off x="1370693" y="1769540"/>
+            <a:ext cx="9440034" cy="1828801"/>
+          </a:xfrm>
+        </p:spPr>
+        <p:txBody>
+          <a:bodyPr>
+            <a:normAutofit/>
+          </a:bodyPr>
+          <a:lstStyle/>
+          <a:p>
+            <a:r>
+              <a:rPr lang="en-US" dirty="0">
+                <a:solidFill>
+                  <a:schemeClr val="tx1"/>
+                </a:solidFill>
+                <a:latin typeface="Calibri Light" panose="020F0302020204030204" pitchFamily="34" charset="0"/>
+                <a:cs typeface="Calibri Light" panose="020F0302020204030204" pitchFamily="34" charset="0"/>
+              </a:rPr>
+              <a:t>Questions?</a:t>
+            </a:r>
+          </a:p>
+        </p:txBody>
+      </p:sp>
+    </p:spTree>
+    <p:extLst>
+      <p:ext uri="{BB962C8B-B14F-4D97-AF65-F5344CB8AC3E}">
+        <p14:creationId xmlns:p14="http://schemas.microsoft.com/office/powerpoint/2010/main" val="9404707"/>
       </p:ext>
     </p:extLst>
   </p:cSld>
